--- a/2017-02-07 Faster Float Functions/Figures.pptx
+++ b/2017-02-07 Faster Float Functions/Figures.pptx
@@ -291,7 +291,7 @@
           <a:p>
             <a:fld id="{54F5EFAC-7DFD-46D8-A92B-5ACF0CF1A931}" type="datetimeFigureOut">
               <a:rPr lang="en-US" smtClean="0"/>
-              <a:t>2/8/2017</a:t>
+              <a:t>2/15/2017</a:t>
             </a:fld>
             <a:endParaRPr lang="en-US"/>
           </a:p>
@@ -461,7 +461,7 @@
           <a:p>
             <a:fld id="{54F5EFAC-7DFD-46D8-A92B-5ACF0CF1A931}" type="datetimeFigureOut">
               <a:rPr lang="en-US" smtClean="0"/>
-              <a:t>2/8/2017</a:t>
+              <a:t>2/15/2017</a:t>
             </a:fld>
             <a:endParaRPr lang="en-US"/>
           </a:p>
@@ -641,7 +641,7 @@
           <a:p>
             <a:fld id="{54F5EFAC-7DFD-46D8-A92B-5ACF0CF1A931}" type="datetimeFigureOut">
               <a:rPr lang="en-US" smtClean="0"/>
-              <a:t>2/8/2017</a:t>
+              <a:t>2/15/2017</a:t>
             </a:fld>
             <a:endParaRPr lang="en-US"/>
           </a:p>
@@ -811,7 +811,7 @@
           <a:p>
             <a:fld id="{54F5EFAC-7DFD-46D8-A92B-5ACF0CF1A931}" type="datetimeFigureOut">
               <a:rPr lang="en-US" smtClean="0"/>
-              <a:t>2/8/2017</a:t>
+              <a:t>2/15/2017</a:t>
             </a:fld>
             <a:endParaRPr lang="en-US"/>
           </a:p>
@@ -1057,7 +1057,7 @@
           <a:p>
             <a:fld id="{54F5EFAC-7DFD-46D8-A92B-5ACF0CF1A931}" type="datetimeFigureOut">
               <a:rPr lang="en-US" smtClean="0"/>
-              <a:t>2/8/2017</a:t>
+              <a:t>2/15/2017</a:t>
             </a:fld>
             <a:endParaRPr lang="en-US"/>
           </a:p>
@@ -1345,7 +1345,7 @@
           <a:p>
             <a:fld id="{54F5EFAC-7DFD-46D8-A92B-5ACF0CF1A931}" type="datetimeFigureOut">
               <a:rPr lang="en-US" smtClean="0"/>
-              <a:t>2/8/2017</a:t>
+              <a:t>2/15/2017</a:t>
             </a:fld>
             <a:endParaRPr lang="en-US"/>
           </a:p>
@@ -1767,7 +1767,7 @@
           <a:p>
             <a:fld id="{54F5EFAC-7DFD-46D8-A92B-5ACF0CF1A931}" type="datetimeFigureOut">
               <a:rPr lang="en-US" smtClean="0"/>
-              <a:t>2/8/2017</a:t>
+              <a:t>2/15/2017</a:t>
             </a:fld>
             <a:endParaRPr lang="en-US"/>
           </a:p>
@@ -1885,7 +1885,7 @@
           <a:p>
             <a:fld id="{54F5EFAC-7DFD-46D8-A92B-5ACF0CF1A931}" type="datetimeFigureOut">
               <a:rPr lang="en-US" smtClean="0"/>
-              <a:t>2/8/2017</a:t>
+              <a:t>2/15/2017</a:t>
             </a:fld>
             <a:endParaRPr lang="en-US"/>
           </a:p>
@@ -1980,7 +1980,7 @@
           <a:p>
             <a:fld id="{54F5EFAC-7DFD-46D8-A92B-5ACF0CF1A931}" type="datetimeFigureOut">
               <a:rPr lang="en-US" smtClean="0"/>
-              <a:t>2/8/2017</a:t>
+              <a:t>2/15/2017</a:t>
             </a:fld>
             <a:endParaRPr lang="en-US"/>
           </a:p>
@@ -2257,7 +2257,7 @@
           <a:p>
             <a:fld id="{54F5EFAC-7DFD-46D8-A92B-5ACF0CF1A931}" type="datetimeFigureOut">
               <a:rPr lang="en-US" smtClean="0"/>
-              <a:t>2/8/2017</a:t>
+              <a:t>2/15/2017</a:t>
             </a:fld>
             <a:endParaRPr lang="en-US"/>
           </a:p>
@@ -2510,7 +2510,7 @@
           <a:p>
             <a:fld id="{54F5EFAC-7DFD-46D8-A92B-5ACF0CF1A931}" type="datetimeFigureOut">
               <a:rPr lang="en-US" smtClean="0"/>
-              <a:t>2/8/2017</a:t>
+              <a:t>2/15/2017</a:t>
             </a:fld>
             <a:endParaRPr lang="en-US"/>
           </a:p>
@@ -2723,7 +2723,7 @@
           <a:p>
             <a:fld id="{54F5EFAC-7DFD-46D8-A92B-5ACF0CF1A931}" type="datetimeFigureOut">
               <a:rPr lang="en-US" smtClean="0"/>
-              <a:t>2/8/2017</a:t>
+              <a:t>2/15/2017</a:t>
             </a:fld>
             <a:endParaRPr lang="en-US"/>
           </a:p>
@@ -3428,6 +3428,231 @@
       </p:grpSpPr>
       <p:grpSp>
         <p:nvGrpSpPr>
+          <p:cNvPr id="6" name="Group 5"/>
+          <p:cNvGrpSpPr/>
+          <p:nvPr/>
+        </p:nvGrpSpPr>
+        <p:grpSpPr>
+          <a:xfrm>
+            <a:off x="1871209" y="3687128"/>
+            <a:ext cx="5280025" cy="2878693"/>
+            <a:chOff x="1871209" y="3687128"/>
+            <a:chExt cx="5280025" cy="2878693"/>
+          </a:xfrm>
+        </p:grpSpPr>
+        <p:sp>
+          <p:nvSpPr>
+            <p:cNvPr id="21" name="Rectangle 20"/>
+            <p:cNvSpPr/>
+            <p:nvPr/>
+          </p:nvSpPr>
+          <p:spPr>
+            <a:xfrm>
+              <a:off x="1885799" y="3704154"/>
+              <a:ext cx="5250844" cy="2844641"/>
+            </a:xfrm>
+            <a:prstGeom prst="rect">
+              <a:avLst/>
+            </a:prstGeom>
+            <a:solidFill>
+              <a:schemeClr val="bg1"/>
+            </a:solidFill>
+            <a:ln>
+              <a:solidFill>
+                <a:schemeClr val="bg1"/>
+              </a:solidFill>
+            </a:ln>
+          </p:spPr>
+          <p:style>
+            <a:lnRef idx="2">
+              <a:schemeClr val="accent1">
+                <a:shade val="50000"/>
+              </a:schemeClr>
+            </a:lnRef>
+            <a:fillRef idx="1">
+              <a:schemeClr val="accent1"/>
+            </a:fillRef>
+            <a:effectRef idx="0">
+              <a:schemeClr val="accent1"/>
+            </a:effectRef>
+            <a:fontRef idx="minor">
+              <a:schemeClr val="lt1"/>
+            </a:fontRef>
+          </p:style>
+          <p:txBody>
+            <a:bodyPr rtlCol="0" anchor="ctr"/>
+            <a:lstStyle/>
+            <a:p>
+              <a:pPr algn="ctr"/>
+              <a:endParaRPr lang="en-US"/>
+            </a:p>
+          </p:txBody>
+        </p:sp>
+        <p:grpSp>
+          <p:nvGrpSpPr>
+            <p:cNvPr id="5" name="Group 4"/>
+            <p:cNvGrpSpPr/>
+            <p:nvPr/>
+          </p:nvGrpSpPr>
+          <p:grpSpPr>
+            <a:xfrm>
+              <a:off x="1871209" y="3687128"/>
+              <a:ext cx="5280025" cy="2878693"/>
+              <a:chOff x="1847206" y="3687128"/>
+              <a:chExt cx="5280025" cy="2878693"/>
+            </a:xfrm>
+          </p:grpSpPr>
+          <p:pic>
+            <p:nvPicPr>
+              <p:cNvPr id="1028" name="Picture 4"/>
+              <p:cNvPicPr>
+                <a:picLocks noChangeAspect="1" noChangeArrowheads="1"/>
+              </p:cNvPicPr>
+              <p:nvPr/>
+            </p:nvPicPr>
+            <p:blipFill>
+              <a:blip r:embed="rId2">
+                <a:extLst>
+                  <a:ext uri="{28A0092B-C50C-407E-A947-70E740481C1C}">
+                    <a14:useLocalDpi xmlns:a14="http://schemas.microsoft.com/office/drawing/2010/main" val="0"/>
+                  </a:ext>
+                </a:extLst>
+              </a:blip>
+              <a:srcRect/>
+              <a:stretch>
+                <a:fillRect/>
+              </a:stretch>
+            </p:blipFill>
+            <p:spPr bwMode="auto">
+              <a:xfrm>
+                <a:off x="1847206" y="3687128"/>
+                <a:ext cx="5280025" cy="2743200"/>
+              </a:xfrm>
+              <a:prstGeom prst="rect">
+                <a:avLst/>
+              </a:prstGeom>
+              <a:noFill/>
+              <a:ln>
+                <a:noFill/>
+              </a:ln>
+              <a:effectLst/>
+              <a:extLst>
+                <a:ext uri="{909E8E84-426E-40DD-AFC4-6F175D3DCCD1}">
+                  <a14:hiddenFill xmlns:a14="http://schemas.microsoft.com/office/drawing/2010/main">
+                    <a:solidFill>
+                      <a:schemeClr val="accent1"/>
+                    </a:solidFill>
+                  </a14:hiddenFill>
+                </a:ext>
+                <a:ext uri="{91240B29-F687-4F45-9708-019B960494DF}">
+                  <a14:hiddenLine xmlns:a14="http://schemas.microsoft.com/office/drawing/2010/main" w="9525">
+                    <a:solidFill>
+                      <a:schemeClr val="tx1"/>
+                    </a:solidFill>
+                    <a:miter lim="800000"/>
+                    <a:headEnd/>
+                    <a:tailEnd/>
+                  </a14:hiddenLine>
+                </a:ext>
+                <a:ext uri="{AF507438-7753-43E0-B8FC-AC1667EBCBE1}">
+                  <a14:hiddenEffects xmlns:a14="http://schemas.microsoft.com/office/drawing/2010/main">
+                    <a:effectLst>
+                      <a:outerShdw dist="35921" dir="2700000" algn="ctr" rotWithShape="0">
+                        <a:schemeClr val="bg2"/>
+                      </a:outerShdw>
+                    </a:effectLst>
+                  </a14:hiddenEffects>
+                </a:ext>
+              </a:extLst>
+            </p:spPr>
+          </p:pic>
+          <p:grpSp>
+            <p:nvGrpSpPr>
+              <p:cNvPr id="18" name="Group 17"/>
+              <p:cNvGrpSpPr/>
+              <p:nvPr/>
+            </p:nvGrpSpPr>
+            <p:grpSpPr>
+              <a:xfrm>
+                <a:off x="3108324" y="6319600"/>
+                <a:ext cx="2514600" cy="246221"/>
+                <a:chOff x="3271044" y="6036305"/>
+                <a:chExt cx="2514600" cy="246221"/>
+              </a:xfrm>
+            </p:grpSpPr>
+            <p:cxnSp>
+              <p:nvCxnSpPr>
+                <p:cNvPr id="23" name="Straight Arrow Connector 22"/>
+                <p:cNvCxnSpPr/>
+                <p:nvPr/>
+              </p:nvCxnSpPr>
+              <p:spPr>
+                <a:xfrm flipH="1">
+                  <a:off x="3271044" y="6158299"/>
+                  <a:ext cx="2514600" cy="0"/>
+                </a:xfrm>
+                <a:prstGeom prst="straightConnector1">
+                  <a:avLst/>
+                </a:prstGeom>
+                <a:ln w="12700">
+                  <a:solidFill>
+                    <a:schemeClr val="tx1"/>
+                  </a:solidFill>
+                  <a:tailEnd type="arrow"/>
+                </a:ln>
+              </p:spPr>
+              <p:style>
+                <a:lnRef idx="1">
+                  <a:schemeClr val="accent1"/>
+                </a:lnRef>
+                <a:fillRef idx="0">
+                  <a:schemeClr val="accent1"/>
+                </a:fillRef>
+                <a:effectRef idx="0">
+                  <a:schemeClr val="accent1"/>
+                </a:effectRef>
+                <a:fontRef idx="minor">
+                  <a:schemeClr val="tx1"/>
+                </a:fontRef>
+              </p:style>
+            </p:cxnSp>
+            <p:sp>
+              <p:nvSpPr>
+                <p:cNvPr id="24" name="TextBox 23"/>
+                <p:cNvSpPr txBox="1"/>
+                <p:nvPr/>
+              </p:nvSpPr>
+              <p:spPr>
+                <a:xfrm>
+                  <a:off x="3920782" y="6036305"/>
+                  <a:ext cx="1040670" cy="246221"/>
+                </a:xfrm>
+                <a:prstGeom prst="rect">
+                  <a:avLst/>
+                </a:prstGeom>
+                <a:solidFill>
+                  <a:schemeClr val="bg1"/>
+                </a:solidFill>
+              </p:spPr>
+              <p:txBody>
+                <a:bodyPr wrap="none" rtlCol="0">
+                  <a:spAutoFit/>
+                </a:bodyPr>
+                <a:lstStyle/>
+                <a:p>
+                  <a:r>
+                    <a:rPr lang="en-US" sz="1000" dirty="0" smtClean="0"/>
+                    <a:t>Smaller is Better</a:t>
+                  </a:r>
+                  <a:endParaRPr lang="en-US" sz="1000" dirty="0"/>
+                </a:p>
+              </p:txBody>
+            </p:sp>
+          </p:grpSp>
+        </p:grpSp>
+      </p:grpSp>
+      <p:grpSp>
+        <p:nvGrpSpPr>
           <p:cNvPr id="17" name="Group 16"/>
           <p:cNvGrpSpPr/>
           <p:nvPr/>
@@ -3495,7 +3720,7 @@
             <p:nvPr/>
           </p:nvPicPr>
           <p:blipFill>
-            <a:blip r:embed="rId2">
+            <a:blip r:embed="rId3">
               <a:extLst>
                 <a:ext uri="{28A0092B-C50C-407E-A947-70E740481C1C}">
                   <a14:useLocalDpi xmlns:a14="http://schemas.microsoft.com/office/drawing/2010/main" val="0"/>
@@ -3618,231 +3843,6 @@
             </a:p>
           </p:txBody>
         </p:sp>
-      </p:grpSp>
-      <p:grpSp>
-        <p:nvGrpSpPr>
-          <p:cNvPr id="22" name="Group 21"/>
-          <p:cNvGrpSpPr/>
-          <p:nvPr/>
-        </p:nvGrpSpPr>
-        <p:grpSpPr>
-          <a:xfrm>
-            <a:off x="1816311" y="3581400"/>
-            <a:ext cx="5496188" cy="3124200"/>
-            <a:chOff x="1895212" y="3276600"/>
-            <a:chExt cx="5496188" cy="3124200"/>
-          </a:xfrm>
-        </p:grpSpPr>
-        <p:sp>
-          <p:nvSpPr>
-            <p:cNvPr id="21" name="Rectangle 20"/>
-            <p:cNvSpPr/>
-            <p:nvPr/>
-          </p:nvSpPr>
-          <p:spPr>
-            <a:xfrm>
-              <a:off x="1895212" y="3276600"/>
-              <a:ext cx="5496188" cy="3124200"/>
-            </a:xfrm>
-            <a:prstGeom prst="rect">
-              <a:avLst/>
-            </a:prstGeom>
-            <a:solidFill>
-              <a:schemeClr val="bg1"/>
-            </a:solidFill>
-            <a:ln>
-              <a:solidFill>
-                <a:schemeClr val="bg1"/>
-              </a:solidFill>
-            </a:ln>
-          </p:spPr>
-          <p:style>
-            <a:lnRef idx="2">
-              <a:schemeClr val="accent1">
-                <a:shade val="50000"/>
-              </a:schemeClr>
-            </a:lnRef>
-            <a:fillRef idx="1">
-              <a:schemeClr val="accent1"/>
-            </a:fillRef>
-            <a:effectRef idx="0">
-              <a:schemeClr val="accent1"/>
-            </a:effectRef>
-            <a:fontRef idx="minor">
-              <a:schemeClr val="lt1"/>
-            </a:fontRef>
-          </p:style>
-          <p:txBody>
-            <a:bodyPr rtlCol="0" anchor="ctr"/>
-            <a:lstStyle/>
-            <a:p>
-              <a:pPr algn="ctr"/>
-              <a:endParaRPr lang="en-US"/>
-            </a:p>
-          </p:txBody>
-        </p:sp>
-        <p:grpSp>
-          <p:nvGrpSpPr>
-            <p:cNvPr id="19" name="Group 18"/>
-            <p:cNvGrpSpPr/>
-            <p:nvPr/>
-          </p:nvGrpSpPr>
-          <p:grpSpPr>
-            <a:xfrm>
-              <a:off x="2003294" y="3412495"/>
-              <a:ext cx="5280025" cy="2853526"/>
-              <a:chOff x="2035175" y="3429000"/>
-              <a:chExt cx="5280025" cy="2853526"/>
-            </a:xfrm>
-          </p:grpSpPr>
-          <p:pic>
-            <p:nvPicPr>
-              <p:cNvPr id="1031" name="Picture 7"/>
-              <p:cNvPicPr>
-                <a:picLocks noChangeAspect="1" noChangeArrowheads="1"/>
-              </p:cNvPicPr>
-              <p:nvPr/>
-            </p:nvPicPr>
-            <p:blipFill>
-              <a:blip r:embed="rId3">
-                <a:extLst>
-                  <a:ext uri="{28A0092B-C50C-407E-A947-70E740481C1C}">
-                    <a14:useLocalDpi xmlns:a14="http://schemas.microsoft.com/office/drawing/2010/main" val="0"/>
-                  </a:ext>
-                </a:extLst>
-              </a:blip>
-              <a:srcRect/>
-              <a:stretch>
-                <a:fillRect/>
-              </a:stretch>
-            </p:blipFill>
-            <p:spPr bwMode="auto">
-              <a:xfrm>
-                <a:off x="2035175" y="3429000"/>
-                <a:ext cx="5280025" cy="2743200"/>
-              </a:xfrm>
-              <a:prstGeom prst="rect">
-                <a:avLst/>
-              </a:prstGeom>
-              <a:noFill/>
-              <a:ln>
-                <a:noFill/>
-              </a:ln>
-              <a:effectLst/>
-              <a:extLst>
-                <a:ext uri="{909E8E84-426E-40DD-AFC4-6F175D3DCCD1}">
-                  <a14:hiddenFill xmlns:a14="http://schemas.microsoft.com/office/drawing/2010/main">
-                    <a:solidFill>
-                      <a:schemeClr val="accent1"/>
-                    </a:solidFill>
-                  </a14:hiddenFill>
-                </a:ext>
-                <a:ext uri="{91240B29-F687-4F45-9708-019B960494DF}">
-                  <a14:hiddenLine xmlns:a14="http://schemas.microsoft.com/office/drawing/2010/main" w="9525">
-                    <a:solidFill>
-                      <a:schemeClr val="tx1"/>
-                    </a:solidFill>
-                    <a:miter lim="800000"/>
-                    <a:headEnd/>
-                    <a:tailEnd/>
-                  </a14:hiddenLine>
-                </a:ext>
-                <a:ext uri="{AF507438-7753-43E0-B8FC-AC1667EBCBE1}">
-                  <a14:hiddenEffects xmlns:a14="http://schemas.microsoft.com/office/drawing/2010/main">
-                    <a:effectLst>
-                      <a:outerShdw dist="35921" dir="2700000" algn="ctr" rotWithShape="0">
-                        <a:schemeClr val="bg2"/>
-                      </a:outerShdw>
-                    </a:effectLst>
-                  </a14:hiddenEffects>
-                </a:ext>
-              </a:extLst>
-            </p:spPr>
-          </p:pic>
-          <p:grpSp>
-            <p:nvGrpSpPr>
-              <p:cNvPr id="18" name="Group 17"/>
-              <p:cNvGrpSpPr/>
-              <p:nvPr/>
-            </p:nvGrpSpPr>
-            <p:grpSpPr>
-              <a:xfrm>
-                <a:off x="3271044" y="6036305"/>
-                <a:ext cx="2514600" cy="246221"/>
-                <a:chOff x="3271044" y="6036305"/>
-                <a:chExt cx="2514600" cy="246221"/>
-              </a:xfrm>
-            </p:grpSpPr>
-            <p:cxnSp>
-              <p:nvCxnSpPr>
-                <p:cNvPr id="23" name="Straight Arrow Connector 22"/>
-                <p:cNvCxnSpPr/>
-                <p:nvPr/>
-              </p:nvCxnSpPr>
-              <p:spPr>
-                <a:xfrm flipH="1">
-                  <a:off x="3271044" y="6158299"/>
-                  <a:ext cx="2514600" cy="0"/>
-                </a:xfrm>
-                <a:prstGeom prst="straightConnector1">
-                  <a:avLst/>
-                </a:prstGeom>
-                <a:ln w="12700">
-                  <a:solidFill>
-                    <a:schemeClr val="tx1"/>
-                  </a:solidFill>
-                  <a:tailEnd type="arrow"/>
-                </a:ln>
-              </p:spPr>
-              <p:style>
-                <a:lnRef idx="1">
-                  <a:schemeClr val="accent1"/>
-                </a:lnRef>
-                <a:fillRef idx="0">
-                  <a:schemeClr val="accent1"/>
-                </a:fillRef>
-                <a:effectRef idx="0">
-                  <a:schemeClr val="accent1"/>
-                </a:effectRef>
-                <a:fontRef idx="minor">
-                  <a:schemeClr val="tx1"/>
-                </a:fontRef>
-              </p:style>
-            </p:cxnSp>
-            <p:sp>
-              <p:nvSpPr>
-                <p:cNvPr id="24" name="TextBox 23"/>
-                <p:cNvSpPr txBox="1"/>
-                <p:nvPr/>
-              </p:nvSpPr>
-              <p:spPr>
-                <a:xfrm>
-                  <a:off x="3920782" y="6036305"/>
-                  <a:ext cx="1040670" cy="246221"/>
-                </a:xfrm>
-                <a:prstGeom prst="rect">
-                  <a:avLst/>
-                </a:prstGeom>
-                <a:solidFill>
-                  <a:schemeClr val="bg1"/>
-                </a:solidFill>
-              </p:spPr>
-              <p:txBody>
-                <a:bodyPr wrap="none" rtlCol="0">
-                  <a:spAutoFit/>
-                </a:bodyPr>
-                <a:lstStyle/>
-                <a:p>
-                  <a:r>
-                    <a:rPr lang="en-US" sz="1000" dirty="0" smtClean="0"/>
-                    <a:t>Smaller is Better</a:t>
-                  </a:r>
-                  <a:endParaRPr lang="en-US" sz="1000" dirty="0"/>
-                </a:p>
-              </p:txBody>
-            </p:sp>
-          </p:grpSp>
-        </p:grpSp>
       </p:grpSp>
     </p:spTree>
     <p:extLst>
